--- a/src/lr3/РИЗ-130916у Савельев В.Н. Отчет о выполнении ЛР3.pptx
+++ b/src/lr3/РИЗ-130916у Савельев В.Н. Отчет о выполнении ЛР3.pptx
@@ -3672,8 +3672,45 @@
                 <a:latin typeface="Times New Roman" panose="02020603050405020304" pitchFamily="18" charset="0"/>
                 <a:cs typeface="Times New Roman" panose="02020603050405020304" pitchFamily="18" charset="0"/>
               </a:rPr>
-              <a:t>Исходный код решения :</a:t>
-            </a:r>
+              <a:t>Исходный код решения : </a:t>
+            </a:r>
+            <a:r>
+              <a:rPr lang="en-US" sz="1400" dirty="0">
+                <a:solidFill>
+                  <a:schemeClr val="tx1"/>
+                </a:solidFill>
+                <a:latin typeface="Times New Roman" panose="02020603050405020304" pitchFamily="18" charset="0"/>
+                <a:cs typeface="Times New Roman" panose="02020603050405020304" pitchFamily="18" charset="0"/>
+              </a:rPr>
+              <a:t>https://github.com/Vladnwx/Learn2023-2024/blob/master/src/lr3/Example</a:t>
+            </a:r>
+            <a:r>
+              <a:rPr lang="ru-RU" sz="1400" dirty="0">
+                <a:solidFill>
+                  <a:schemeClr val="tx1"/>
+                </a:solidFill>
+                <a:latin typeface="Times New Roman" panose="02020603050405020304" pitchFamily="18" charset="0"/>
+                <a:cs typeface="Times New Roman" panose="02020603050405020304" pitchFamily="18" charset="0"/>
+              </a:rPr>
+              <a:t>8</a:t>
+            </a:r>
+            <a:r>
+              <a:rPr lang="en-US" sz="1400" dirty="0">
+                <a:solidFill>
+                  <a:schemeClr val="tx1"/>
+                </a:solidFill>
+                <a:latin typeface="Times New Roman" panose="02020603050405020304" pitchFamily="18" charset="0"/>
+                <a:cs typeface="Times New Roman" panose="02020603050405020304" pitchFamily="18" charset="0"/>
+              </a:rPr>
+              <a:t>.java</a:t>
+            </a:r>
+            <a:endParaRPr lang="ru-RU" sz="1400" dirty="0">
+              <a:solidFill>
+                <a:schemeClr val="tx1"/>
+              </a:solidFill>
+              <a:latin typeface="Times New Roman" panose="02020603050405020304" pitchFamily="18" charset="0"/>
+              <a:cs typeface="Times New Roman" panose="02020603050405020304" pitchFamily="18" charset="0"/>
+            </a:endParaRPr>
           </a:p>
         </p:txBody>
       </p:sp>
@@ -3794,8 +3831,45 @@
                 <a:latin typeface="Times New Roman" panose="02020603050405020304" pitchFamily="18" charset="0"/>
                 <a:cs typeface="Times New Roman" panose="02020603050405020304" pitchFamily="18" charset="0"/>
               </a:rPr>
-              <a:t>Исходный код решения :</a:t>
-            </a:r>
+              <a:t>Исходный код решения : </a:t>
+            </a:r>
+            <a:r>
+              <a:rPr lang="en-US" sz="1400" dirty="0">
+                <a:solidFill>
+                  <a:schemeClr val="tx1"/>
+                </a:solidFill>
+                <a:latin typeface="Times New Roman" panose="02020603050405020304" pitchFamily="18" charset="0"/>
+                <a:cs typeface="Times New Roman" panose="02020603050405020304" pitchFamily="18" charset="0"/>
+              </a:rPr>
+              <a:t>https://github.com/Vladnwx/Learn2023-2024/blob/master/src/lr3/Example</a:t>
+            </a:r>
+            <a:r>
+              <a:rPr lang="ru-RU" sz="1400" dirty="0">
+                <a:solidFill>
+                  <a:schemeClr val="tx1"/>
+                </a:solidFill>
+                <a:latin typeface="Times New Roman" panose="02020603050405020304" pitchFamily="18" charset="0"/>
+                <a:cs typeface="Times New Roman" panose="02020603050405020304" pitchFamily="18" charset="0"/>
+              </a:rPr>
+              <a:t>9</a:t>
+            </a:r>
+            <a:r>
+              <a:rPr lang="en-US" sz="1400" dirty="0">
+                <a:solidFill>
+                  <a:schemeClr val="tx1"/>
+                </a:solidFill>
+                <a:latin typeface="Times New Roman" panose="02020603050405020304" pitchFamily="18" charset="0"/>
+                <a:cs typeface="Times New Roman" panose="02020603050405020304" pitchFamily="18" charset="0"/>
+              </a:rPr>
+              <a:t>.java</a:t>
+            </a:r>
+            <a:endParaRPr lang="ru-RU" sz="1400" dirty="0">
+              <a:solidFill>
+                <a:schemeClr val="tx1"/>
+              </a:solidFill>
+              <a:latin typeface="Times New Roman" panose="02020603050405020304" pitchFamily="18" charset="0"/>
+              <a:cs typeface="Times New Roman" panose="02020603050405020304" pitchFamily="18" charset="0"/>
+            </a:endParaRPr>
           </a:p>
         </p:txBody>
       </p:sp>
@@ -3904,29 +3978,29 @@
                 <a:latin typeface="Times New Roman" panose="02020603050405020304" pitchFamily="18" charset="0"/>
                 <a:cs typeface="Times New Roman" panose="02020603050405020304" pitchFamily="18" charset="0"/>
               </a:rPr>
-              <a:t>Напишите программу, в которой создается целочисленный массив, заполняется случайными числами и после этого значения элементов в массиве сортируются в порядке убывания </a:t>
-            </a:r>
-            <a:r>
-              <a:rPr lang="ru-RU" sz="1400">
+              <a:t>Напишите программу, в которой создается целочисленный массив, заполняется случайными числами и после этого значения элементов в массиве сортируются в порядке убывания значений.</a:t>
+            </a:r>
+          </a:p>
+          <a:p>
+            <a:r>
+              <a:rPr lang="ru-RU" sz="1400" dirty="0">
                 <a:solidFill>
                   <a:schemeClr val="tx1"/>
                 </a:solidFill>
                 <a:latin typeface="Times New Roman" panose="02020603050405020304" pitchFamily="18" charset="0"/>
                 <a:cs typeface="Times New Roman" panose="02020603050405020304" pitchFamily="18" charset="0"/>
               </a:rPr>
-              <a:t>значений.</a:t>
-            </a:r>
-          </a:p>
-          <a:p>
-            <a:r>
-              <a:rPr lang="ru-RU" sz="1400">
+              <a:t>Исходный код решения : </a:t>
+            </a:r>
+            <a:r>
+              <a:rPr lang="en-US" sz="1400" dirty="0">
                 <a:solidFill>
                   <a:schemeClr val="tx1"/>
                 </a:solidFill>
                 <a:latin typeface="Times New Roman" panose="02020603050405020304" pitchFamily="18" charset="0"/>
                 <a:cs typeface="Times New Roman" panose="02020603050405020304" pitchFamily="18" charset="0"/>
               </a:rPr>
-              <a:t>Исходный </a:t>
+              <a:t>https://github.com/Vladnwx/Learn2023-2024/blob/master/src/lr3/Example</a:t>
             </a:r>
             <a:r>
               <a:rPr lang="ru-RU" sz="1400" dirty="0">
@@ -3936,8 +4010,35 @@
                 <a:latin typeface="Times New Roman" panose="02020603050405020304" pitchFamily="18" charset="0"/>
                 <a:cs typeface="Times New Roman" panose="02020603050405020304" pitchFamily="18" charset="0"/>
               </a:rPr>
-              <a:t>код решения :</a:t>
-            </a:r>
+              <a:t>10</a:t>
+            </a:r>
+            <a:r>
+              <a:rPr lang="en-US" sz="1400">
+                <a:solidFill>
+                  <a:schemeClr val="tx1"/>
+                </a:solidFill>
+                <a:latin typeface="Times New Roman" panose="02020603050405020304" pitchFamily="18" charset="0"/>
+                <a:cs typeface="Times New Roman" panose="02020603050405020304" pitchFamily="18" charset="0"/>
+              </a:rPr>
+              <a:t>.</a:t>
+            </a:r>
+            <a:r>
+              <a:rPr lang="en-US" sz="1400" dirty="0">
+                <a:solidFill>
+                  <a:schemeClr val="tx1"/>
+                </a:solidFill>
+                <a:latin typeface="Times New Roman" panose="02020603050405020304" pitchFamily="18" charset="0"/>
+                <a:cs typeface="Times New Roman" panose="02020603050405020304" pitchFamily="18" charset="0"/>
+              </a:rPr>
+              <a:t>java</a:t>
+            </a:r>
+            <a:endParaRPr lang="ru-RU" sz="1400" dirty="0">
+              <a:solidFill>
+                <a:schemeClr val="tx1"/>
+              </a:solidFill>
+              <a:latin typeface="Times New Roman" panose="02020603050405020304" pitchFamily="18" charset="0"/>
+              <a:cs typeface="Times New Roman" panose="02020603050405020304" pitchFamily="18" charset="0"/>
+            </a:endParaRPr>
           </a:p>
         </p:txBody>
       </p:sp>
@@ -4295,8 +4396,25 @@
                 <a:latin typeface="Times New Roman" panose="02020603050405020304" pitchFamily="18" charset="0"/>
                 <a:cs typeface="Times New Roman" panose="02020603050405020304" pitchFamily="18" charset="0"/>
               </a:rPr>
-              <a:t>Исходный код решения :</a:t>
-            </a:r>
+              <a:t>Исходный код решения : </a:t>
+            </a:r>
+            <a:r>
+              <a:rPr lang="en-US" sz="1400" dirty="0">
+                <a:solidFill>
+                  <a:schemeClr val="tx1"/>
+                </a:solidFill>
+                <a:latin typeface="Times New Roman" panose="02020603050405020304" pitchFamily="18" charset="0"/>
+                <a:cs typeface="Times New Roman" panose="02020603050405020304" pitchFamily="18" charset="0"/>
+              </a:rPr>
+              <a:t>https://github.com/Vladnwx/Learn2023-2024/blob/master/src/lr3/Example1.java</a:t>
+            </a:r>
+            <a:endParaRPr lang="ru-RU" sz="1400" dirty="0">
+              <a:solidFill>
+                <a:schemeClr val="tx1"/>
+              </a:solidFill>
+              <a:latin typeface="Times New Roman" panose="02020603050405020304" pitchFamily="18" charset="0"/>
+              <a:cs typeface="Times New Roman" panose="02020603050405020304" pitchFamily="18" charset="0"/>
+            </a:endParaRPr>
           </a:p>
         </p:txBody>
       </p:sp>
@@ -4437,8 +4555,45 @@
                 <a:latin typeface="Times New Roman" panose="02020603050405020304" pitchFamily="18" charset="0"/>
                 <a:cs typeface="Times New Roman" panose="02020603050405020304" pitchFamily="18" charset="0"/>
               </a:rPr>
-              <a:t>Исходный код решения :</a:t>
-            </a:r>
+              <a:t>Исходный код решения : </a:t>
+            </a:r>
+            <a:r>
+              <a:rPr lang="en-US" sz="1400" dirty="0">
+                <a:solidFill>
+                  <a:schemeClr val="tx1"/>
+                </a:solidFill>
+                <a:latin typeface="Times New Roman" panose="02020603050405020304" pitchFamily="18" charset="0"/>
+                <a:cs typeface="Times New Roman" panose="02020603050405020304" pitchFamily="18" charset="0"/>
+              </a:rPr>
+              <a:t>https://github.com/Vladnwx/Learn2023-2024/blob/master/src/lr3/Example</a:t>
+            </a:r>
+            <a:r>
+              <a:rPr lang="ru-RU" sz="1400" dirty="0">
+                <a:solidFill>
+                  <a:schemeClr val="tx1"/>
+                </a:solidFill>
+                <a:latin typeface="Times New Roman" panose="02020603050405020304" pitchFamily="18" charset="0"/>
+                <a:cs typeface="Times New Roman" panose="02020603050405020304" pitchFamily="18" charset="0"/>
+              </a:rPr>
+              <a:t>2</a:t>
+            </a:r>
+            <a:r>
+              <a:rPr lang="en-US" sz="1400" dirty="0">
+                <a:solidFill>
+                  <a:schemeClr val="tx1"/>
+                </a:solidFill>
+                <a:latin typeface="Times New Roman" panose="02020603050405020304" pitchFamily="18" charset="0"/>
+                <a:cs typeface="Times New Roman" panose="02020603050405020304" pitchFamily="18" charset="0"/>
+              </a:rPr>
+              <a:t>.java</a:t>
+            </a:r>
+            <a:endParaRPr lang="ru-RU" sz="1400" dirty="0">
+              <a:solidFill>
+                <a:schemeClr val="tx1"/>
+              </a:solidFill>
+              <a:latin typeface="Times New Roman" panose="02020603050405020304" pitchFamily="18" charset="0"/>
+              <a:cs typeface="Times New Roman" panose="02020603050405020304" pitchFamily="18" charset="0"/>
+            </a:endParaRPr>
           </a:p>
         </p:txBody>
       </p:sp>
@@ -4579,8 +4734,45 @@
                 <a:latin typeface="Times New Roman" panose="02020603050405020304" pitchFamily="18" charset="0"/>
                 <a:cs typeface="Times New Roman" panose="02020603050405020304" pitchFamily="18" charset="0"/>
               </a:rPr>
-              <a:t>Исходный код решения :</a:t>
-            </a:r>
+              <a:t>Исходный код решения : </a:t>
+            </a:r>
+            <a:r>
+              <a:rPr lang="en-US" sz="1400" dirty="0">
+                <a:solidFill>
+                  <a:schemeClr val="tx1"/>
+                </a:solidFill>
+                <a:latin typeface="Times New Roman" panose="02020603050405020304" pitchFamily="18" charset="0"/>
+                <a:cs typeface="Times New Roman" panose="02020603050405020304" pitchFamily="18" charset="0"/>
+              </a:rPr>
+              <a:t>https://github.com/Vladnwx/Learn2023-2024/blob/master/src/lr3/Example</a:t>
+            </a:r>
+            <a:r>
+              <a:rPr lang="ru-RU" sz="1400" dirty="0">
+                <a:solidFill>
+                  <a:schemeClr val="tx1"/>
+                </a:solidFill>
+                <a:latin typeface="Times New Roman" panose="02020603050405020304" pitchFamily="18" charset="0"/>
+                <a:cs typeface="Times New Roman" panose="02020603050405020304" pitchFamily="18" charset="0"/>
+              </a:rPr>
+              <a:t>3</a:t>
+            </a:r>
+            <a:r>
+              <a:rPr lang="en-US" sz="1400" dirty="0">
+                <a:solidFill>
+                  <a:schemeClr val="tx1"/>
+                </a:solidFill>
+                <a:latin typeface="Times New Roman" panose="02020603050405020304" pitchFamily="18" charset="0"/>
+                <a:cs typeface="Times New Roman" panose="02020603050405020304" pitchFamily="18" charset="0"/>
+              </a:rPr>
+              <a:t>.java</a:t>
+            </a:r>
+            <a:endParaRPr lang="ru-RU" sz="1400" dirty="0">
+              <a:solidFill>
+                <a:schemeClr val="tx1"/>
+              </a:solidFill>
+              <a:latin typeface="Times New Roman" panose="02020603050405020304" pitchFamily="18" charset="0"/>
+              <a:cs typeface="Times New Roman" panose="02020603050405020304" pitchFamily="18" charset="0"/>
+            </a:endParaRPr>
           </a:p>
         </p:txBody>
       </p:sp>
@@ -4701,8 +4893,45 @@
                 <a:latin typeface="Times New Roman" panose="02020603050405020304" pitchFamily="18" charset="0"/>
                 <a:cs typeface="Times New Roman" panose="02020603050405020304" pitchFamily="18" charset="0"/>
               </a:rPr>
-              <a:t>Исходный код решения :</a:t>
-            </a:r>
+              <a:t>Исходный код решения : </a:t>
+            </a:r>
+            <a:r>
+              <a:rPr lang="en-US" sz="1400" dirty="0">
+                <a:solidFill>
+                  <a:schemeClr val="tx1"/>
+                </a:solidFill>
+                <a:latin typeface="Times New Roman" panose="02020603050405020304" pitchFamily="18" charset="0"/>
+                <a:cs typeface="Times New Roman" panose="02020603050405020304" pitchFamily="18" charset="0"/>
+              </a:rPr>
+              <a:t>https://github.com/Vladnwx/Learn2023-2024/blob/master/src/lr3/Example</a:t>
+            </a:r>
+            <a:r>
+              <a:rPr lang="ru-RU" sz="1400" dirty="0">
+                <a:solidFill>
+                  <a:schemeClr val="tx1"/>
+                </a:solidFill>
+                <a:latin typeface="Times New Roman" panose="02020603050405020304" pitchFamily="18" charset="0"/>
+                <a:cs typeface="Times New Roman" panose="02020603050405020304" pitchFamily="18" charset="0"/>
+              </a:rPr>
+              <a:t>4</a:t>
+            </a:r>
+            <a:r>
+              <a:rPr lang="en-US" sz="1400" dirty="0">
+                <a:solidFill>
+                  <a:schemeClr val="tx1"/>
+                </a:solidFill>
+                <a:latin typeface="Times New Roman" panose="02020603050405020304" pitchFamily="18" charset="0"/>
+                <a:cs typeface="Times New Roman" panose="02020603050405020304" pitchFamily="18" charset="0"/>
+              </a:rPr>
+              <a:t>.java</a:t>
+            </a:r>
+            <a:endParaRPr lang="ru-RU" sz="1400" dirty="0">
+              <a:solidFill>
+                <a:schemeClr val="tx1"/>
+              </a:solidFill>
+              <a:latin typeface="Times New Roman" panose="02020603050405020304" pitchFamily="18" charset="0"/>
+              <a:cs typeface="Times New Roman" panose="02020603050405020304" pitchFamily="18" charset="0"/>
+            </a:endParaRPr>
           </a:p>
         </p:txBody>
       </p:sp>
@@ -4823,8 +5052,45 @@
                 <a:latin typeface="Times New Roman" panose="02020603050405020304" pitchFamily="18" charset="0"/>
                 <a:cs typeface="Times New Roman" panose="02020603050405020304" pitchFamily="18" charset="0"/>
               </a:rPr>
-              <a:t>Исходный код решения :</a:t>
-            </a:r>
+              <a:t>Исходный код решения : </a:t>
+            </a:r>
+            <a:r>
+              <a:rPr lang="en-US" sz="1400" dirty="0">
+                <a:solidFill>
+                  <a:schemeClr val="tx1"/>
+                </a:solidFill>
+                <a:latin typeface="Times New Roman" panose="02020603050405020304" pitchFamily="18" charset="0"/>
+                <a:cs typeface="Times New Roman" panose="02020603050405020304" pitchFamily="18" charset="0"/>
+              </a:rPr>
+              <a:t>https://github.com/Vladnwx/Learn2023-2024/blob/master/src/lr3/Example</a:t>
+            </a:r>
+            <a:r>
+              <a:rPr lang="ru-RU" sz="1400" dirty="0">
+                <a:solidFill>
+                  <a:schemeClr val="tx1"/>
+                </a:solidFill>
+                <a:latin typeface="Times New Roman" panose="02020603050405020304" pitchFamily="18" charset="0"/>
+                <a:cs typeface="Times New Roman" panose="02020603050405020304" pitchFamily="18" charset="0"/>
+              </a:rPr>
+              <a:t>5</a:t>
+            </a:r>
+            <a:r>
+              <a:rPr lang="en-US" sz="1400" dirty="0">
+                <a:solidFill>
+                  <a:schemeClr val="tx1"/>
+                </a:solidFill>
+                <a:latin typeface="Times New Roman" panose="02020603050405020304" pitchFamily="18" charset="0"/>
+                <a:cs typeface="Times New Roman" panose="02020603050405020304" pitchFamily="18" charset="0"/>
+              </a:rPr>
+              <a:t>.java</a:t>
+            </a:r>
+            <a:endParaRPr lang="ru-RU" sz="1400" dirty="0">
+              <a:solidFill>
+                <a:schemeClr val="tx1"/>
+              </a:solidFill>
+              <a:latin typeface="Times New Roman" panose="02020603050405020304" pitchFamily="18" charset="0"/>
+              <a:cs typeface="Times New Roman" panose="02020603050405020304" pitchFamily="18" charset="0"/>
+            </a:endParaRPr>
           </a:p>
         </p:txBody>
       </p:sp>
@@ -4945,8 +5211,45 @@
                 <a:latin typeface="Times New Roman" panose="02020603050405020304" pitchFamily="18" charset="0"/>
                 <a:cs typeface="Times New Roman" panose="02020603050405020304" pitchFamily="18" charset="0"/>
               </a:rPr>
-              <a:t>Исходный код решения :</a:t>
-            </a:r>
+              <a:t>Исходный код решения : </a:t>
+            </a:r>
+            <a:r>
+              <a:rPr lang="en-US" sz="1400" dirty="0">
+                <a:solidFill>
+                  <a:schemeClr val="tx1"/>
+                </a:solidFill>
+                <a:latin typeface="Times New Roman" panose="02020603050405020304" pitchFamily="18" charset="0"/>
+                <a:cs typeface="Times New Roman" panose="02020603050405020304" pitchFamily="18" charset="0"/>
+              </a:rPr>
+              <a:t>https://github.com/Vladnwx/Learn2023-2024/blob/master/src/lr3/Example</a:t>
+            </a:r>
+            <a:r>
+              <a:rPr lang="ru-RU" sz="1400" dirty="0">
+                <a:solidFill>
+                  <a:schemeClr val="tx1"/>
+                </a:solidFill>
+                <a:latin typeface="Times New Roman" panose="02020603050405020304" pitchFamily="18" charset="0"/>
+                <a:cs typeface="Times New Roman" panose="02020603050405020304" pitchFamily="18" charset="0"/>
+              </a:rPr>
+              <a:t>6</a:t>
+            </a:r>
+            <a:r>
+              <a:rPr lang="en-US" sz="1400" dirty="0">
+                <a:solidFill>
+                  <a:schemeClr val="tx1"/>
+                </a:solidFill>
+                <a:latin typeface="Times New Roman" panose="02020603050405020304" pitchFamily="18" charset="0"/>
+                <a:cs typeface="Times New Roman" panose="02020603050405020304" pitchFamily="18" charset="0"/>
+              </a:rPr>
+              <a:t>.java</a:t>
+            </a:r>
+            <a:endParaRPr lang="ru-RU" sz="1400" dirty="0">
+              <a:solidFill>
+                <a:schemeClr val="tx1"/>
+              </a:solidFill>
+              <a:latin typeface="Times New Roman" panose="02020603050405020304" pitchFamily="18" charset="0"/>
+              <a:cs typeface="Times New Roman" panose="02020603050405020304" pitchFamily="18" charset="0"/>
+            </a:endParaRPr>
           </a:p>
         </p:txBody>
       </p:sp>
@@ -5067,8 +5370,45 @@
                 <a:latin typeface="Times New Roman" panose="02020603050405020304" pitchFamily="18" charset="0"/>
                 <a:cs typeface="Times New Roman" panose="02020603050405020304" pitchFamily="18" charset="0"/>
               </a:rPr>
-              <a:t>Исходный код решения :</a:t>
-            </a:r>
+              <a:t>Исходный код решения : </a:t>
+            </a:r>
+            <a:r>
+              <a:rPr lang="en-US" sz="1400" dirty="0">
+                <a:solidFill>
+                  <a:schemeClr val="tx1"/>
+                </a:solidFill>
+                <a:latin typeface="Times New Roman" panose="02020603050405020304" pitchFamily="18" charset="0"/>
+                <a:cs typeface="Times New Roman" panose="02020603050405020304" pitchFamily="18" charset="0"/>
+              </a:rPr>
+              <a:t>https://github.com/Vladnwx/Learn2023-2024/blob/master/src/lr3/Example</a:t>
+            </a:r>
+            <a:r>
+              <a:rPr lang="ru-RU" sz="1400" dirty="0">
+                <a:solidFill>
+                  <a:schemeClr val="tx1"/>
+                </a:solidFill>
+                <a:latin typeface="Times New Roman" panose="02020603050405020304" pitchFamily="18" charset="0"/>
+                <a:cs typeface="Times New Roman" panose="02020603050405020304" pitchFamily="18" charset="0"/>
+              </a:rPr>
+              <a:t>7</a:t>
+            </a:r>
+            <a:r>
+              <a:rPr lang="en-US" sz="1400" dirty="0">
+                <a:solidFill>
+                  <a:schemeClr val="tx1"/>
+                </a:solidFill>
+                <a:latin typeface="Times New Roman" panose="02020603050405020304" pitchFamily="18" charset="0"/>
+                <a:cs typeface="Times New Roman" panose="02020603050405020304" pitchFamily="18" charset="0"/>
+              </a:rPr>
+              <a:t>.java</a:t>
+            </a:r>
+            <a:endParaRPr lang="ru-RU" sz="1400" dirty="0">
+              <a:solidFill>
+                <a:schemeClr val="tx1"/>
+              </a:solidFill>
+              <a:latin typeface="Times New Roman" panose="02020603050405020304" pitchFamily="18" charset="0"/>
+              <a:cs typeface="Times New Roman" panose="02020603050405020304" pitchFamily="18" charset="0"/>
+            </a:endParaRPr>
           </a:p>
         </p:txBody>
       </p:sp>

--- a/src/lr3/РИЗ-130916у Савельев В.Н. Отчет о выполнении ЛР3.pptx
+++ b/src/lr3/РИЗ-130916у Савельев В.Н. Отчет о выполнении ЛР3.pptx
@@ -292,7 +292,7 @@
           <a:p>
             <a:fld id="{870F65BB-7DDC-4717-AF77-59A3293404C9}" type="datetimeFigureOut">
               <a:rPr lang="ru-RU" smtClean="0"/>
-              <a:t>26.11.2023</a:t>
+              <a:t>05.12.2023</a:t>
             </a:fld>
             <a:endParaRPr lang="ru-RU"/>
           </a:p>
@@ -490,7 +490,7 @@
           <a:p>
             <a:fld id="{870F65BB-7DDC-4717-AF77-59A3293404C9}" type="datetimeFigureOut">
               <a:rPr lang="ru-RU" smtClean="0"/>
-              <a:t>26.11.2023</a:t>
+              <a:t>05.12.2023</a:t>
             </a:fld>
             <a:endParaRPr lang="ru-RU"/>
           </a:p>
@@ -698,7 +698,7 @@
           <a:p>
             <a:fld id="{870F65BB-7DDC-4717-AF77-59A3293404C9}" type="datetimeFigureOut">
               <a:rPr lang="ru-RU" smtClean="0"/>
-              <a:t>26.11.2023</a:t>
+              <a:t>05.12.2023</a:t>
             </a:fld>
             <a:endParaRPr lang="ru-RU"/>
           </a:p>
@@ -896,7 +896,7 @@
           <a:p>
             <a:fld id="{870F65BB-7DDC-4717-AF77-59A3293404C9}" type="datetimeFigureOut">
               <a:rPr lang="ru-RU" smtClean="0"/>
-              <a:t>26.11.2023</a:t>
+              <a:t>05.12.2023</a:t>
             </a:fld>
             <a:endParaRPr lang="ru-RU"/>
           </a:p>
@@ -1171,7 +1171,7 @@
           <a:p>
             <a:fld id="{870F65BB-7DDC-4717-AF77-59A3293404C9}" type="datetimeFigureOut">
               <a:rPr lang="ru-RU" smtClean="0"/>
-              <a:t>26.11.2023</a:t>
+              <a:t>05.12.2023</a:t>
             </a:fld>
             <a:endParaRPr lang="ru-RU"/>
           </a:p>
@@ -1436,7 +1436,7 @@
           <a:p>
             <a:fld id="{870F65BB-7DDC-4717-AF77-59A3293404C9}" type="datetimeFigureOut">
               <a:rPr lang="ru-RU" smtClean="0"/>
-              <a:t>26.11.2023</a:t>
+              <a:t>05.12.2023</a:t>
             </a:fld>
             <a:endParaRPr lang="ru-RU"/>
           </a:p>
@@ -1848,7 +1848,7 @@
           <a:p>
             <a:fld id="{870F65BB-7DDC-4717-AF77-59A3293404C9}" type="datetimeFigureOut">
               <a:rPr lang="ru-RU" smtClean="0"/>
-              <a:t>26.11.2023</a:t>
+              <a:t>05.12.2023</a:t>
             </a:fld>
             <a:endParaRPr lang="ru-RU"/>
           </a:p>
@@ -1989,7 +1989,7 @@
           <a:p>
             <a:fld id="{870F65BB-7DDC-4717-AF77-59A3293404C9}" type="datetimeFigureOut">
               <a:rPr lang="ru-RU" smtClean="0"/>
-              <a:t>26.11.2023</a:t>
+              <a:t>05.12.2023</a:t>
             </a:fld>
             <a:endParaRPr lang="ru-RU"/>
           </a:p>
@@ -2102,7 +2102,7 @@
           <a:p>
             <a:fld id="{870F65BB-7DDC-4717-AF77-59A3293404C9}" type="datetimeFigureOut">
               <a:rPr lang="ru-RU" smtClean="0"/>
-              <a:t>26.11.2023</a:t>
+              <a:t>05.12.2023</a:t>
             </a:fld>
             <a:endParaRPr lang="ru-RU"/>
           </a:p>
@@ -2413,7 +2413,7 @@
           <a:p>
             <a:fld id="{870F65BB-7DDC-4717-AF77-59A3293404C9}" type="datetimeFigureOut">
               <a:rPr lang="ru-RU" smtClean="0"/>
-              <a:t>26.11.2023</a:t>
+              <a:t>05.12.2023</a:t>
             </a:fld>
             <a:endParaRPr lang="ru-RU"/>
           </a:p>
@@ -2701,7 +2701,7 @@
           <a:p>
             <a:fld id="{870F65BB-7DDC-4717-AF77-59A3293404C9}" type="datetimeFigureOut">
               <a:rPr lang="ru-RU" smtClean="0"/>
-              <a:t>26.11.2023</a:t>
+              <a:t>05.12.2023</a:t>
             </a:fld>
             <a:endParaRPr lang="ru-RU"/>
           </a:p>
@@ -2942,7 +2942,7 @@
           <a:p>
             <a:fld id="{870F65BB-7DDC-4717-AF77-59A3293404C9}" type="datetimeFigureOut">
               <a:rPr lang="ru-RU" smtClean="0"/>
-              <a:t>26.11.2023</a:t>
+              <a:t>05.12.2023</a:t>
             </a:fld>
             <a:endParaRPr lang="ru-RU"/>
           </a:p>
@@ -4139,6 +4139,66 @@
           </a:bodyPr>
           <a:lstStyle/>
           <a:p>
+            <a:pPr marL="285750" indent="-285750">
+              <a:buFont typeface="Arial" panose="020B0604020202020204" pitchFamily="34" charset="0"/>
+              <a:buChar char="•"/>
+            </a:pPr>
+            <a:r>
+              <a:rPr lang="ru-RU" sz="1400" dirty="0">
+                <a:solidFill>
+                  <a:schemeClr val="tx1"/>
+                </a:solidFill>
+                <a:latin typeface="Times New Roman" panose="02020603050405020304" pitchFamily="18" charset="0"/>
+                <a:cs typeface="Times New Roman" panose="02020603050405020304" pitchFamily="18" charset="0"/>
+              </a:rPr>
+              <a:t>При большом количестве переменны удобнее пользоваться массивами. Их можно сортировать используя стандартную библиотеку.</a:t>
+            </a:r>
+          </a:p>
+          <a:p>
+            <a:pPr marL="285750" indent="-285750">
+              <a:buFont typeface="Arial" panose="020B0604020202020204" pitchFamily="34" charset="0"/>
+              <a:buChar char="•"/>
+            </a:pPr>
+            <a:r>
+              <a:rPr lang="ru-RU" sz="1400" dirty="0">
+                <a:solidFill>
+                  <a:schemeClr val="tx1"/>
+                </a:solidFill>
+                <a:latin typeface="Times New Roman" panose="02020603050405020304" pitchFamily="18" charset="0"/>
+                <a:cs typeface="Times New Roman" panose="02020603050405020304" pitchFamily="18" charset="0"/>
+              </a:rPr>
+              <a:t>Для выполнения различных тестов </a:t>
+            </a:r>
+            <a:r>
+              <a:rPr lang="ru-RU" sz="1400">
+                <a:solidFill>
+                  <a:schemeClr val="tx1"/>
+                </a:solidFill>
+                <a:latin typeface="Times New Roman" panose="02020603050405020304" pitchFamily="18" charset="0"/>
+                <a:cs typeface="Times New Roman" panose="02020603050405020304" pitchFamily="18" charset="0"/>
+              </a:rPr>
+              <a:t>заполнения массивов </a:t>
+            </a:r>
+            <a:r>
+              <a:rPr lang="ru-RU" sz="1400" dirty="0">
+                <a:solidFill>
+                  <a:schemeClr val="tx1"/>
+                </a:solidFill>
+                <a:latin typeface="Times New Roman" panose="02020603050405020304" pitchFamily="18" charset="0"/>
+                <a:cs typeface="Times New Roman" panose="02020603050405020304" pitchFamily="18" charset="0"/>
+              </a:rPr>
+              <a:t>можно использовать библиотеку </a:t>
+            </a:r>
+            <a:r>
+              <a:rPr lang="en-US" sz="1400" dirty="0">
+                <a:solidFill>
+                  <a:schemeClr val="tx1"/>
+                </a:solidFill>
+                <a:latin typeface="Times New Roman" panose="02020603050405020304" pitchFamily="18" charset="0"/>
+                <a:cs typeface="Times New Roman" panose="02020603050405020304" pitchFamily="18" charset="0"/>
+              </a:rPr>
+              <a:t>Random</a:t>
+            </a:r>
             <a:endParaRPr lang="ru-RU" sz="1400" dirty="0">
               <a:solidFill>
                 <a:schemeClr val="tx1"/>
@@ -4146,6 +4206,42 @@
               <a:latin typeface="Times New Roman" panose="02020603050405020304" pitchFamily="18" charset="0"/>
               <a:cs typeface="Times New Roman" panose="02020603050405020304" pitchFamily="18" charset="0"/>
             </a:endParaRPr>
+          </a:p>
+          <a:p>
+            <a:pPr marL="285750" indent="-285750">
+              <a:buFont typeface="Arial" panose="020B0604020202020204" pitchFamily="34" charset="0"/>
+              <a:buChar char="•"/>
+            </a:pPr>
+            <a:r>
+              <a:rPr lang="ru-RU" sz="1400" dirty="0">
+                <a:solidFill>
+                  <a:schemeClr val="tx1"/>
+                </a:solidFill>
+                <a:latin typeface="Times New Roman" panose="02020603050405020304" pitchFamily="18" charset="0"/>
+                <a:cs typeface="Times New Roman" panose="02020603050405020304" pitchFamily="18" charset="0"/>
+              </a:rPr>
+              <a:t>Операторы цикла </a:t>
+            </a:r>
+            <a:r>
+              <a:rPr lang="en-US" sz="1400" dirty="0">
+                <a:solidFill>
+                  <a:schemeClr val="tx1"/>
+                </a:solidFill>
+                <a:latin typeface="Times New Roman" panose="02020603050405020304" pitchFamily="18" charset="0"/>
+                <a:cs typeface="Times New Roman" panose="02020603050405020304" pitchFamily="18" charset="0"/>
+              </a:rPr>
+              <a:t>switch </a:t>
+            </a:r>
+            <a:r>
+              <a:rPr lang="ru-RU" sz="1400" dirty="0">
+                <a:solidFill>
+                  <a:schemeClr val="tx1"/>
+                </a:solidFill>
+                <a:latin typeface="Times New Roman" panose="02020603050405020304" pitchFamily="18" charset="0"/>
+                <a:cs typeface="Times New Roman" panose="02020603050405020304" pitchFamily="18" charset="0"/>
+              </a:rPr>
+              <a:t>удобнее использовать при однотипном сравнении значений</a:t>
+            </a:r>
           </a:p>
         </p:txBody>
       </p:sp>
@@ -4702,27 +4798,7 @@
                 <a:latin typeface="Times New Roman" panose="02020603050405020304" pitchFamily="18" charset="0"/>
                 <a:cs typeface="Times New Roman" panose="02020603050405020304" pitchFamily="18" charset="0"/>
               </a:rPr>
-              <a:t>Напишите программу, которая выводит последовательность чисел Фибоначчи. Первые два числа в этой последовательности равны 1, а каждое следующее число равно сумме двух предыдущих (получается </a:t>
-            </a:r>
-            <a:r>
-              <a:rPr lang="ru-RU" sz="1400" dirty="0" err="1">
-                <a:solidFill>
-                  <a:schemeClr val="tx1"/>
-                </a:solidFill>
-                <a:latin typeface="Times New Roman" panose="02020603050405020304" pitchFamily="18" charset="0"/>
-                <a:cs typeface="Times New Roman" panose="02020603050405020304" pitchFamily="18" charset="0"/>
-              </a:rPr>
-              <a:t>по-следовательность</a:t>
-            </a:r>
-            <a:r>
-              <a:rPr lang="ru-RU" sz="1400" dirty="0">
-                <a:solidFill>
-                  <a:schemeClr val="tx1"/>
-                </a:solidFill>
-                <a:latin typeface="Times New Roman" panose="02020603050405020304" pitchFamily="18" charset="0"/>
-                <a:cs typeface="Times New Roman" panose="02020603050405020304" pitchFamily="18" charset="0"/>
-              </a:rPr>
-              <a:t> 1, 1, 2, 3, 5, 8, 13, 21, 34, 55, 89 и так далее). Количество чисел в последовательности вводится пользователем. Предложите версии программы, использующие разные операторы цикла.</a:t>
+              <a:t>Напишите программу, которая выводит последовательность чисел Фибоначчи. Первые два числа в этой последовательности равны 1, а каждое следующее число равно сумме двух предыдущих (получается последовательность 1, 1, 2, 3, 5, 8, 13, 21, 34, 55, 89 и так далее). Количество чисел в последовательности вводится пользователем. Предложите версии программы, использующие разные операторы цикла.</a:t>
             </a:r>
           </a:p>
           <a:p>
